--- a/java/slides/ppt/07 - Java Exceptions.pptx
+++ b/java/slides/ppt/07 - Java Exceptions.pptx
@@ -14540,7 +14540,6 @@
           <a:bodyPr/>
           <a:lstStyle/>
           <a:p>
-            <a:pPr algn="l"/>
             <a:r>
               <a:rPr lang="en-US" dirty="0"/>
               <a:t>Java Exceptions</a:t>

--- a/java/slides/ppt/07 - Java Exceptions.pptx
+++ b/java/slides/ppt/07 - Java Exceptions.pptx
@@ -263,7 +263,7 @@
           <a:p>
             <a:fld id="{5591E39A-28E5-5D4D-B97C-ECEB96F19817}" type="datetimeFigureOut">
               <a:rPr lang="en-IT" smtClean="0"/>
-              <a:t>23/03/22</a:t>
+              <a:t>25/03/22</a:t>
             </a:fld>
             <a:endParaRPr lang="en-IT"/>
           </a:p>
@@ -442,7 +442,7 @@
             <a:fld id="{BAEB7694-8561-4BE2-948D-EDF7A201F8BB}" type="datetimeFigureOut">
               <a:rPr lang="it-IT" smtClean="0"/>
               <a:pPr/>
-              <a:t>23/03/22</a:t>
+              <a:t>25/03/22</a:t>
             </a:fld>
             <a:endParaRPr lang="it-IT"/>
           </a:p>

--- a/java/slides/ppt/07 - Java Exceptions.pptx
+++ b/java/slides/ppt/07 - Java Exceptions.pptx
@@ -263,7 +263,7 @@
           <a:p>
             <a:fld id="{5591E39A-28E5-5D4D-B97C-ECEB96F19817}" type="datetimeFigureOut">
               <a:rPr lang="en-IT" smtClean="0"/>
-              <a:t>25/03/22</a:t>
+              <a:t>26/03/22</a:t>
             </a:fld>
             <a:endParaRPr lang="en-IT"/>
           </a:p>
@@ -442,7 +442,7 @@
             <a:fld id="{BAEB7694-8561-4BE2-948D-EDF7A201F8BB}" type="datetimeFigureOut">
               <a:rPr lang="it-IT" smtClean="0"/>
               <a:pPr/>
-              <a:t>25/03/22</a:t>
+              <a:t>26/03/22</a:t>
             </a:fld>
             <a:endParaRPr lang="it-IT"/>
           </a:p>
@@ -14064,22 +14064,24 @@
         </p:nvSpPr>
         <p:spPr/>
         <p:txBody>
-          <a:bodyPr/>
+          <a:bodyPr>
+            <a:normAutofit/>
+          </a:bodyPr>
           <a:lstStyle/>
           <a:p>
             <a:r>
-              <a:rPr lang="it-IT" dirty="0" err="1"/>
+              <a:rPr lang="it-IT" sz="3600" dirty="0" err="1"/>
               <a:t>Preserve</a:t>
             </a:r>
             <a:r>
-              <a:rPr lang="it-IT" dirty="0"/>
+              <a:rPr lang="it-IT" sz="3600" dirty="0"/>
               <a:t> </a:t>
             </a:r>
             <a:r>
-              <a:rPr lang="it-IT" dirty="0" err="1"/>
+              <a:rPr lang="it-IT" sz="3600" dirty="0" err="1"/>
               <a:t>encapsulation</a:t>
             </a:r>
-            <a:endParaRPr lang="it-IT" dirty="0"/>
+            <a:endParaRPr lang="it-IT" sz="3600" dirty="0"/>
           </a:p>
         </p:txBody>
       </p:sp>
@@ -14107,7 +14109,7 @@
           <a:lstStyle/>
           <a:p>
             <a:r>
-              <a:rPr lang="en" dirty="0">
+              <a:rPr lang="en" sz="2600" dirty="0">
                 <a:solidFill>
                   <a:schemeClr val="accent6">
                     <a:lumMod val="75000"/>
@@ -14117,7 +14119,7 @@
               <a:t>Never let implementation-specific checked exceptions rise to the higher layers. For example, do not propagate </a:t>
             </a:r>
             <a:r>
-              <a:rPr lang="en" dirty="0" err="1">
+              <a:rPr lang="en" sz="2600" dirty="0" err="1">
                 <a:solidFill>
                   <a:schemeClr val="accent6">
                     <a:lumMod val="75000"/>
@@ -14127,7 +14129,7 @@
               <a:t>SQLException</a:t>
             </a:r>
             <a:r>
-              <a:rPr lang="en" dirty="0">
+              <a:rPr lang="en" sz="2600" dirty="0">
                 <a:solidFill>
                   <a:schemeClr val="accent6">
                     <a:lumMod val="75000"/>
@@ -14137,50 +14139,50 @@
               <a:t> from data access code to the business objects layer. </a:t>
             </a:r>
             <a:r>
-              <a:rPr lang="en" dirty="0"/>
+              <a:rPr lang="en" sz="2600" dirty="0"/>
               <a:t>Business objects layer do not need to know about </a:t>
             </a:r>
             <a:r>
-              <a:rPr lang="en" dirty="0" err="1"/>
+              <a:rPr lang="en" sz="2600" dirty="0" err="1"/>
               <a:t>SQLException</a:t>
             </a:r>
             <a:r>
-              <a:rPr lang="en" dirty="0"/>
+              <a:rPr lang="en" sz="2600" dirty="0"/>
               <a:t>. You have two options:·</a:t>
             </a:r>
           </a:p>
           <a:p>
             <a:pPr lvl="1"/>
             <a:r>
-              <a:rPr lang="en" dirty="0"/>
+              <a:rPr lang="en" sz="2600" dirty="0"/>
               <a:t>Convert </a:t>
             </a:r>
             <a:r>
-              <a:rPr lang="en" dirty="0" err="1"/>
+              <a:rPr lang="en" sz="2600" dirty="0" err="1"/>
               <a:t>SQLException</a:t>
             </a:r>
             <a:r>
-              <a:rPr lang="en" dirty="0"/>
+              <a:rPr lang="en" sz="2600" dirty="0"/>
               <a:t> into another checked exception, if the client code is expected to recover from the exception.</a:t>
             </a:r>
           </a:p>
           <a:p>
             <a:pPr lvl="1"/>
             <a:r>
-              <a:rPr lang="en" dirty="0"/>
+              <a:rPr lang="en" sz="2600" dirty="0"/>
               <a:t>Convert </a:t>
             </a:r>
             <a:r>
-              <a:rPr lang="en" dirty="0" err="1"/>
+              <a:rPr lang="en" sz="2600" dirty="0" err="1"/>
               <a:t>SQLException</a:t>
             </a:r>
             <a:r>
-              <a:rPr lang="en" dirty="0"/>
+              <a:rPr lang="en" sz="2600" dirty="0"/>
               <a:t> into an unchecked exception, if the client code cannot do anything about it.</a:t>
             </a:r>
           </a:p>
           <a:p>
-            <a:endParaRPr lang="it-IT" dirty="0"/>
+            <a:endParaRPr lang="it-IT" sz="2600" dirty="0"/>
           </a:p>
         </p:txBody>
       </p:sp>
@@ -14269,7 +14271,7 @@
           <a:lstStyle/>
           <a:p>
             <a:r>
-              <a:rPr lang="en" sz="2800" dirty="0">
+              <a:rPr lang="en" sz="2600" dirty="0">
                 <a:solidFill>
                   <a:schemeClr val="accent6">
                     <a:lumMod val="75000"/>
@@ -14281,7 +14283,7 @@
           </a:p>
           <a:p>
             <a:r>
-              <a:rPr lang="en" sz="2800" dirty="0"/>
+              <a:rPr lang="en" sz="2600" dirty="0"/>
               <a:t>From Java 7, language has a more interesting automatic resource management or ARM blocks, which can do this for you. </a:t>
             </a:r>
           </a:p>
@@ -14367,12 +14369,12 @@
         <p:spPr/>
         <p:txBody>
           <a:bodyPr>
-            <a:normAutofit fontScale="85000" lnSpcReduction="20000"/>
+            <a:normAutofit lnSpcReduction="10000"/>
           </a:bodyPr>
           <a:lstStyle/>
           <a:p>
             <a:r>
-              <a:rPr lang="en" dirty="0">
+              <a:rPr lang="en" sz="2400" dirty="0">
                 <a:solidFill>
                   <a:schemeClr val="accent6">
                     <a:lumMod val="75000"/>
@@ -14384,7 +14386,7 @@
           </a:p>
           <a:p>
             <a:r>
-              <a:rPr lang="en" dirty="0">
+              <a:rPr lang="en" sz="2400" dirty="0">
                 <a:solidFill>
                   <a:schemeClr val="accent6">
                     <a:lumMod val="75000"/>
@@ -14394,66 +14396,66 @@
               <a:t>Always try to provide precise and factual information here. </a:t>
             </a:r>
             <a:r>
-              <a:rPr lang="en" dirty="0"/>
+              <a:rPr lang="en" sz="2400" dirty="0"/>
               <a:t>For example, compare:</a:t>
             </a:r>
           </a:p>
           <a:p>
             <a:pPr lvl="1"/>
             <a:r>
-              <a:rPr lang="en" sz="2300" dirty="0"/>
+              <a:rPr lang="en" sz="2400" dirty="0"/>
               <a:t>new </a:t>
             </a:r>
             <a:r>
-              <a:rPr lang="en" sz="2300" dirty="0" err="1"/>
+              <a:rPr lang="en" sz="2400" dirty="0" err="1"/>
               <a:t>IllegalArgumentException</a:t>
             </a:r>
             <a:r>
-              <a:rPr lang="en" sz="2300" dirty="0"/>
+              <a:rPr lang="en" sz="2400" dirty="0"/>
               <a:t>("Incorrect argument for method”);</a:t>
             </a:r>
           </a:p>
           <a:p>
             <a:pPr lvl="1"/>
             <a:r>
-              <a:rPr lang="en" sz="2300" dirty="0"/>
+              <a:rPr lang="en" sz="2400" dirty="0"/>
               <a:t>new </a:t>
             </a:r>
             <a:r>
-              <a:rPr lang="en" sz="2300" dirty="0" err="1"/>
+              <a:rPr lang="en" sz="2400" dirty="0" err="1"/>
               <a:t>IllegalArgumentException</a:t>
             </a:r>
             <a:r>
-              <a:rPr lang="en" sz="2300" dirty="0"/>
+              <a:rPr lang="en" sz="2400" dirty="0"/>
               <a:t>("Illegal value for ${argument}: ${value}”);</a:t>
             </a:r>
           </a:p>
           <a:p>
             <a:pPr lvl="1"/>
-            <a:endParaRPr lang="en" sz="2100" dirty="0"/>
-          </a:p>
-          <a:p>
-            <a:r>
-              <a:rPr lang="en" dirty="0"/>
+            <a:endParaRPr lang="en" sz="2400" dirty="0"/>
+          </a:p>
+          <a:p>
+            <a:r>
+              <a:rPr lang="en" sz="2400" dirty="0"/>
               <a:t>The first one just says that argument is illegal or incorrect, but second one include both name of argument and its illegal value which is important to point out cause of error.</a:t>
             </a:r>
           </a:p>
           <a:p>
             <a:r>
-              <a:rPr lang="en" dirty="0"/>
+              <a:rPr lang="en" sz="2400" dirty="0"/>
               <a:t>Always follow this </a:t>
             </a:r>
             <a:r>
-              <a:rPr lang="en" i="1" dirty="0"/>
+              <a:rPr lang="en" sz="2400" i="1" dirty="0"/>
               <a:t>Java best practice</a:t>
             </a:r>
             <a:r>
-              <a:rPr lang="en" dirty="0"/>
+              <a:rPr lang="en" sz="2400" dirty="0"/>
               <a:t>, when writing code for handling exceptions and errors in Java.</a:t>
             </a:r>
           </a:p>
           <a:p>
-            <a:endParaRPr lang="it-IT" dirty="0"/>
+            <a:endParaRPr lang="it-IT" sz="2400" dirty="0"/>
           </a:p>
         </p:txBody>
       </p:sp>
@@ -14511,14 +14513,14 @@
           <a:lstStyle/>
           <a:p>
             <a:r>
-              <a:rPr lang="en" sz="2800" dirty="0"/>
+              <a:rPr lang="en" sz="3600" dirty="0"/>
               <a:t>Convert Checked Exception into </a:t>
             </a:r>
             <a:r>
-              <a:rPr lang="en" sz="2800" dirty="0" err="1"/>
+              <a:rPr lang="en" sz="3600" dirty="0" err="1"/>
               <a:t>RuntimeException</a:t>
             </a:r>
-            <a:endParaRPr lang="it-IT" sz="2800" dirty="0"/>
+            <a:endParaRPr lang="it-IT" sz="3600" dirty="0"/>
           </a:p>
         </p:txBody>
       </p:sp>
@@ -14546,21 +14548,21 @@
           <a:lstStyle/>
           <a:p>
             <a:r>
-              <a:rPr lang="en" dirty="0"/>
+              <a:rPr lang="en" sz="2800" dirty="0"/>
               <a:t>This is one of the technique used to limit use of checked Exception in many of frameworks like Spring ,where most of checked Exception, which are raised from JDBC is wrapped into </a:t>
             </a:r>
             <a:r>
-              <a:rPr lang="en" dirty="0" err="1"/>
+              <a:rPr lang="en" sz="2800" dirty="0" err="1"/>
               <a:t>DataAccessException</a:t>
             </a:r>
             <a:r>
-              <a:rPr lang="en" dirty="0"/>
+              <a:rPr lang="en" sz="2800" dirty="0"/>
               <a:t>, an unchecked Exception. </a:t>
             </a:r>
           </a:p>
           <a:p>
             <a:r>
-              <a:rPr lang="en" dirty="0">
+              <a:rPr lang="en" sz="2800" dirty="0">
                 <a:solidFill>
                   <a:schemeClr val="accent6">
                     <a:lumMod val="75000"/>
@@ -14570,7 +14572,7 @@
               <a:t>This Java best practice provides benefits, in terms of restricting specific exception into specific modules, like </a:t>
             </a:r>
             <a:r>
-              <a:rPr lang="en" dirty="0" err="1">
+              <a:rPr lang="en" sz="2800" dirty="0" err="1">
                 <a:solidFill>
                   <a:schemeClr val="accent6">
                     <a:lumMod val="75000"/>
@@ -14580,7 +14582,7 @@
               <a:t>SQLException</a:t>
             </a:r>
             <a:r>
-              <a:rPr lang="en" dirty="0">
+              <a:rPr lang="en" sz="2800" dirty="0">
                 <a:solidFill>
                   <a:schemeClr val="accent6">
                     <a:lumMod val="75000"/>
@@ -14590,7 +14592,7 @@
               <a:t> into DAO layer and throwing meaningful </a:t>
             </a:r>
             <a:r>
-              <a:rPr lang="en" dirty="0" err="1">
+              <a:rPr lang="en" sz="2800" dirty="0" err="1">
                 <a:solidFill>
                   <a:schemeClr val="accent6">
                     <a:lumMod val="75000"/>
@@ -14600,7 +14602,7 @@
               <a:t>RuntimeException</a:t>
             </a:r>
             <a:r>
-              <a:rPr lang="en" dirty="0">
+              <a:rPr lang="en" sz="2800" dirty="0">
                 <a:solidFill>
                   <a:schemeClr val="accent6">
                     <a:lumMod val="75000"/>
@@ -14609,7 +14611,7 @@
               </a:rPr>
               <a:t> to client layer.</a:t>
             </a:r>
-            <a:endParaRPr lang="it-IT" dirty="0">
+            <a:endParaRPr lang="it-IT" sz="2800" dirty="0">
               <a:solidFill>
                 <a:schemeClr val="accent6">
                   <a:lumMod val="75000"/>
@@ -14667,30 +14669,32 @@
         </p:nvSpPr>
         <p:spPr/>
         <p:txBody>
-          <a:bodyPr/>
+          <a:bodyPr>
+            <a:normAutofit/>
+          </a:bodyPr>
           <a:lstStyle/>
           <a:p>
             <a:r>
-              <a:rPr lang="it-IT" dirty="0" err="1"/>
+              <a:rPr lang="it-IT" sz="3600" dirty="0" err="1"/>
               <a:t>Avoid</a:t>
             </a:r>
             <a:r>
-              <a:rPr lang="it-IT" dirty="0"/>
+              <a:rPr lang="it-IT" sz="3600" dirty="0"/>
               <a:t> </a:t>
             </a:r>
             <a:r>
-              <a:rPr lang="it-IT" dirty="0" err="1"/>
+              <a:rPr lang="it-IT" sz="3600" dirty="0" err="1"/>
               <a:t>empty</a:t>
             </a:r>
             <a:r>
-              <a:rPr lang="it-IT" dirty="0"/>
+              <a:rPr lang="it-IT" sz="3600" dirty="0"/>
               <a:t> catch </a:t>
             </a:r>
             <a:r>
-              <a:rPr lang="it-IT" dirty="0" err="1"/>
+              <a:rPr lang="it-IT" sz="3600" dirty="0" err="1"/>
               <a:t>blocks</a:t>
             </a:r>
-            <a:endParaRPr lang="it-IT" dirty="0"/>
+            <a:endParaRPr lang="it-IT" sz="3600" dirty="0"/>
           </a:p>
         </p:txBody>
       </p:sp>
@@ -14718,7 +14722,7 @@
           <a:lstStyle/>
           <a:p>
             <a:r>
-              <a:rPr lang="en" dirty="0">
+              <a:rPr lang="en" sz="2800" dirty="0">
                 <a:solidFill>
                   <a:schemeClr val="accent6">
                     <a:lumMod val="75000"/>
@@ -14731,7 +14735,7 @@
           </a:p>
           <a:p>
             <a:r>
-              <a:rPr lang="en" dirty="0">
+              <a:rPr lang="en" sz="2800" dirty="0">
                 <a:solidFill>
                   <a:srgbClr val="333333"/>
                 </a:solidFill>
@@ -14739,7 +14743,7 @@
               </a:rPr>
               <a:t>Empty catch block only make sense, if you absolutely sure that Exception is not going to affect object state on any ways, but still its better to log any error comes during program execution. </a:t>
             </a:r>
-            <a:endParaRPr lang="it-IT" dirty="0"/>
+            <a:endParaRPr lang="it-IT" sz="2800" dirty="0"/>
           </a:p>
         </p:txBody>
       </p:sp>
@@ -15322,18 +15326,20 @@
         </p:nvSpPr>
         <p:spPr/>
         <p:txBody>
-          <a:bodyPr/>
+          <a:bodyPr>
+            <a:normAutofit/>
+          </a:bodyPr>
           <a:lstStyle/>
           <a:p>
             <a:r>
-              <a:rPr lang="it-IT" dirty="0"/>
+              <a:rPr lang="it-IT" sz="3600" dirty="0"/>
               <a:t>Use Standard </a:t>
             </a:r>
             <a:r>
-              <a:rPr lang="it-IT" dirty="0" err="1"/>
+              <a:rPr lang="it-IT" sz="3600" dirty="0" err="1"/>
               <a:t>Exceptions</a:t>
             </a:r>
-            <a:endParaRPr lang="it-IT" dirty="0"/>
+            <a:endParaRPr lang="it-IT" sz="3600" dirty="0"/>
           </a:p>
         </p:txBody>
       </p:sp>
@@ -15356,12 +15362,12 @@
         <p:spPr/>
         <p:txBody>
           <a:bodyPr>
-            <a:normAutofit lnSpcReduction="10000"/>
+            <a:normAutofit/>
           </a:bodyPr>
           <a:lstStyle/>
           <a:p>
             <a:r>
-              <a:rPr lang="en" dirty="0">
+              <a:rPr lang="en" sz="2800" dirty="0">
                 <a:solidFill>
                   <a:schemeClr val="accent6">
                     <a:lumMod val="75000"/>
@@ -15373,34 +15379,34 @@
           </a:p>
           <a:p>
             <a:r>
-              <a:rPr lang="en" dirty="0"/>
+              <a:rPr lang="en" sz="2800" dirty="0"/>
               <a:t>Reusing standard exception makes code more readable, because most of Java developers are familiar with standard </a:t>
             </a:r>
             <a:r>
-              <a:rPr lang="en" dirty="0" err="1"/>
+              <a:rPr lang="en" sz="2800" dirty="0" err="1"/>
               <a:t>RuntimeException</a:t>
             </a:r>
             <a:r>
-              <a:rPr lang="en" dirty="0"/>
+              <a:rPr lang="en" sz="2800" dirty="0"/>
               <a:t> from JDK like, </a:t>
             </a:r>
             <a:r>
-              <a:rPr lang="en" dirty="0" err="1"/>
+              <a:rPr lang="en" sz="2800" dirty="0" err="1"/>
               <a:t>IllegalStateException</a:t>
             </a:r>
             <a:r>
-              <a:rPr lang="en" dirty="0"/>
+              <a:rPr lang="en" sz="2800" dirty="0"/>
               <a:t>, </a:t>
             </a:r>
             <a:r>
-              <a:rPr lang="en" dirty="0" err="1"/>
+              <a:rPr lang="en" sz="2800" dirty="0" err="1"/>
               <a:t>IllegalArgumentException</a:t>
             </a:r>
             <a:r>
-              <a:rPr lang="en" dirty="0"/>
+              <a:rPr lang="en" sz="2800" dirty="0"/>
               <a:t> etc. and they will immediately be able to know purpose of Exception, instead of looking out another place on code or docs to find out purpose of user defined Exceptions.</a:t>
             </a:r>
-            <a:endParaRPr lang="it-IT" dirty="0"/>
+            <a:endParaRPr lang="it-IT" sz="2800" dirty="0"/>
           </a:p>
         </p:txBody>
       </p:sp>
@@ -15458,10 +15464,10 @@
           <a:lstStyle/>
           <a:p>
             <a:r>
-              <a:rPr lang="en" sz="3200" dirty="0"/>
+              <a:rPr lang="en" sz="3600" dirty="0"/>
               <a:t>Document Exception thrown by any method</a:t>
             </a:r>
-            <a:endParaRPr lang="it-IT" sz="3200" dirty="0"/>
+            <a:endParaRPr lang="it-IT" sz="3600" dirty="0"/>
           </a:p>
         </p:txBody>
       </p:sp>
@@ -15483,23 +15489,25 @@
         </p:nvSpPr>
         <p:spPr/>
         <p:txBody>
-          <a:bodyPr/>
+          <a:bodyPr>
+            <a:normAutofit/>
+          </a:bodyPr>
           <a:lstStyle/>
           <a:p>
             <a:r>
-              <a:rPr lang="en" dirty="0"/>
+              <a:rPr lang="en" sz="2800" dirty="0"/>
               <a:t>Java provides throw and throws keyword to throw exception and in </a:t>
             </a:r>
             <a:r>
-              <a:rPr lang="en" dirty="0" err="1"/>
+              <a:rPr lang="en" sz="2800" dirty="0" err="1"/>
               <a:t>javadoc</a:t>
             </a:r>
             <a:r>
-              <a:rPr lang="en" dirty="0"/>
+              <a:rPr lang="en" sz="2800" dirty="0"/>
               <a:t> you have @throw to document possible Exception thrown by any method. This becomes increasingly important if you are writing API or public interface. </a:t>
             </a:r>
             <a:r>
-              <a:rPr lang="en" dirty="0">
+              <a:rPr lang="en" sz="2800" dirty="0">
                 <a:solidFill>
                   <a:schemeClr val="accent6">
                     <a:lumMod val="75000"/>
@@ -15508,7 +15516,7 @@
               </a:rPr>
               <a:t>With proper documentation of Exception thrown by any method you can potentially alert anyone who is using it.</a:t>
             </a:r>
-            <a:endParaRPr lang="it-IT" dirty="0">
+            <a:endParaRPr lang="it-IT" sz="2800" dirty="0">
               <a:solidFill>
                 <a:schemeClr val="accent6">
                   <a:lumMod val="75000"/>

--- a/java/slides/ppt/07 - Java Exceptions.pptx
+++ b/java/slides/ppt/07 - Java Exceptions.pptx
@@ -257,7 +257,7 @@
           <a:p>
             <a:fld id="{5591E39A-28E5-5D4D-B97C-ECEB96F19817}" type="datetimeFigureOut">
               <a:rPr lang="en-IT" smtClean="0"/>
-              <a:t>30/03/22</a:t>
+              <a:t>31/03/22</a:t>
             </a:fld>
             <a:endParaRPr lang="en-IT"/>
           </a:p>
@@ -436,7 +436,7 @@
             <a:fld id="{BAEB7694-8561-4BE2-948D-EDF7A201F8BB}" type="datetimeFigureOut">
               <a:rPr lang="it-IT" smtClean="0"/>
               <a:pPr/>
-              <a:t>30/03/22</a:t>
+              <a:t>31/03/22</a:t>
             </a:fld>
             <a:endParaRPr lang="it-IT"/>
           </a:p>
@@ -10364,7 +10364,7 @@
                   <a:srgbClr val="E46C0A"/>
                 </a:solidFill>
               </a:rPr>
-              <a:t>Try </a:t>
+              <a:t>try </a:t>
             </a:r>
             <a:r>
               <a:rPr lang="en-US" sz="2000" dirty="0"/>
@@ -10379,7 +10379,7 @@
                   <a:srgbClr val="E46C0A"/>
                 </a:solidFill>
               </a:rPr>
-              <a:t>Catch </a:t>
+              <a:t>catch </a:t>
             </a:r>
             <a:r>
               <a:rPr lang="en-US" sz="2000" dirty="0"/>
@@ -10394,7 +10394,7 @@
                   <a:srgbClr val="E46C0A"/>
                 </a:solidFill>
               </a:rPr>
-              <a:t>Finally </a:t>
+              <a:t>finally </a:t>
             </a:r>
             <a:r>
               <a:rPr lang="en-US" sz="2000" dirty="0"/>
@@ -10409,7 +10409,7 @@
                   <a:srgbClr val="E46C0A"/>
                 </a:solidFill>
               </a:rPr>
-              <a:t>Throws </a:t>
+              <a:t>throws </a:t>
             </a:r>
             <a:r>
               <a:rPr lang="en-US" sz="2000" dirty="0"/>
@@ -10424,7 +10424,7 @@
                   <a:srgbClr val="E46C0A"/>
                 </a:solidFill>
               </a:rPr>
-              <a:t>Throw </a:t>
+              <a:t>throw </a:t>
             </a:r>
             <a:r>
               <a:rPr lang="en-US" sz="2000" dirty="0"/>
